--- a/2025-Q3/Unity12/2025-09-21-Unity12.pptx
+++ b/2025-Q3/Unity12/2025-09-21-Unity12.pptx
@@ -283,7 +283,7 @@
               <a:pPr>
                 <a:defRPr/>
               </a:pPr>
-              <a:t>9/16/2025</a:t>
+              <a:t>9/21/2025</a:t>
             </a:fld>
             <a:endParaRPr lang="en-US"/>
           </a:p>
@@ -673,82 +673,82 @@
         <p:spPr/>
         <p:txBody>
           <a:bodyPr>
-            <a:normAutofit fontScale="62500" lnSpcReduction="20000"/>
+            <a:normAutofit fontScale="92500" lnSpcReduction="10000"/>
           </a:bodyPr>
           <a:lstStyle/>
           <a:p>
             <a:r>
-              <a:rPr lang="en-US" b="1" dirty="0"/>
+              <a:rPr lang="en-US" sz="1400" b="1" dirty="0"/>
               <a:t>Week 12: Projecting and Protecting Unity</a:t>
             </a:r>
-            <a:endParaRPr lang="en-US" dirty="0"/>
+            <a:endParaRPr lang="en-US" sz="1400" dirty="0"/>
           </a:p>
           <a:p>
             <a:pPr fontAlgn="base"/>
             <a:r>
-              <a:rPr lang="en-US" b="1" dirty="0"/>
+              <a:rPr lang="en-US" sz="1400" b="1" dirty="0"/>
               <a:t>Text</a:t>
             </a:r>
             <a:r>
-              <a:rPr lang="en-US" dirty="0"/>
+              <a:rPr lang="en-US" sz="1400" dirty="0"/>
               <a:t>: Colossians 3:12–17</a:t>
             </a:r>
           </a:p>
           <a:p>
             <a:pPr fontAlgn="base"/>
             <a:r>
-              <a:rPr lang="en-US" b="1" dirty="0"/>
+              <a:rPr lang="en-US" sz="1400" b="1" dirty="0"/>
               <a:t>Objective</a:t>
             </a:r>
             <a:r>
-              <a:rPr lang="en-US" dirty="0"/>
+              <a:rPr lang="en-US" sz="1400" dirty="0"/>
               <a:t>: Clothe the church in love.</a:t>
             </a:r>
           </a:p>
           <a:p>
             <a:pPr fontAlgn="base"/>
             <a:r>
-              <a:rPr lang="en-US" b="1" dirty="0"/>
+              <a:rPr lang="en-US" sz="1400" b="1" dirty="0"/>
               <a:t>Key Themes</a:t>
             </a:r>
             <a:r>
-              <a:rPr lang="en-US" dirty="0"/>
+              <a:rPr lang="en-US" sz="1400" dirty="0"/>
               <a:t>: Forgiveness, peace, gratitude.</a:t>
             </a:r>
           </a:p>
           <a:p>
             <a:pPr fontAlgn="base"/>
             <a:r>
-              <a:rPr lang="en-US" b="1" dirty="0"/>
+              <a:rPr lang="en-US" sz="1400" b="1" dirty="0"/>
               <a:t>Discussion</a:t>
             </a:r>
             <a:r>
-              <a:rPr lang="en-US" dirty="0"/>
+              <a:rPr lang="en-US" sz="1400" dirty="0"/>
               <a:t>:</a:t>
             </a:r>
           </a:p>
           <a:p>
             <a:pPr lvl="0"/>
             <a:r>
-              <a:rPr lang="en-US" dirty="0"/>
+              <a:rPr lang="en-US" sz="1400" dirty="0"/>
               <a:t>What are the garments of unity?</a:t>
             </a:r>
           </a:p>
           <a:p>
             <a:pPr lvl="0" fontAlgn="base"/>
             <a:r>
-              <a:rPr lang="en-US" dirty="0"/>
+              <a:rPr lang="en-US" sz="1400" dirty="0"/>
               <a:t>How does the Word shape communal identity?</a:t>
             </a:r>
           </a:p>
           <a:p>
             <a:pPr fontAlgn="base"/>
             <a:r>
-              <a:rPr lang="en-US" b="1" dirty="0"/>
+              <a:rPr lang="en-US" sz="1400" b="1" dirty="0"/>
               <a:t>Application</a:t>
             </a:r>
             <a:r>
-              <a:rPr lang="en-US" dirty="0"/>
+              <a:rPr lang="en-US" sz="1400" dirty="0"/>
               <a:t>: Create a personal commitment plan to protect unity.</a:t>
             </a:r>
           </a:p>
@@ -876,16 +876,16 @@
         <p:spPr/>
         <p:txBody>
           <a:bodyPr>
-            <a:normAutofit fontScale="62500" lnSpcReduction="20000"/>
+            <a:normAutofit/>
           </a:bodyPr>
           <a:lstStyle/>
           <a:p>
             <a:pPr defTabSz="938266"/>
             <a:r>
-              <a:rPr lang="en-US" b="1" dirty="0"/>
+              <a:rPr lang="en-US" sz="1400" b="1" dirty="0"/>
               <a:t>(Col 3:12-17) Therefore, as the elect of God, holy and dearly loved, clothe yourselves with a heart of mercy, kindness, humility, gentleness, and patience,  (13)  bearing with one another and forgiving one another, if someone happens to have a complaint against anyone else. Just as the Lord has forgiven you, so you also forgive others.  (14)  And to all these virtues add love, which is the perfect bond.  (15)  Let the peace of Christ be in control in your heart (for you were in fact called as one body to this peace), and be thankful.  (16)  Let the word of Christ dwell in you richly, teaching and exhorting one another with all wisdom, singing psalms, hymns, and spiritual songs, all with grace in your hearts to God.  (17)  And whatever you do in word or deed, do it all in the name of the Lord Jesus, giving thanks to God the Father through him.</a:t>
             </a:r>
-            <a:endParaRPr lang="en-US" dirty="0"/>
+            <a:endParaRPr lang="en-US" sz="1400" dirty="0"/>
           </a:p>
           <a:p>
             <a:endParaRPr lang="en-US" dirty="0"/>
@@ -1000,76 +1000,76 @@
         <p:spPr/>
         <p:txBody>
           <a:bodyPr>
-            <a:normAutofit/>
+            <a:normAutofit fontScale="85000" lnSpcReduction="10000"/>
           </a:bodyPr>
           <a:lstStyle/>
           <a:p>
             <a:r>
-              <a:rPr lang="en-US" b="1" dirty="0"/>
+              <a:rPr lang="en-US" sz="1400" b="1" dirty="0"/>
               <a:t>Mat 18:21-35  </a:t>
             </a:r>
             <a:r>
-              <a:rPr lang="en-US" dirty="0"/>
+              <a:rPr lang="en-US" sz="1400" dirty="0"/>
               <a:t>Then Peter came to him and said, “Lord, how many times must I forgive my brother who sins against me? As many as seven times?”  (22)  Jesus said to him, “Not seven times, I tell you, but seventy-seven times!  (23)  “For this reason, the kingdom of heaven is like a king who wanted to settle accounts with his slaves.  (24)  As he began settling his accounts, a man who owed ten thousand talents was brought to him.  (25)  Because he was not able to repay it, the lord ordered him to be sold, along with his wife, children, and whatever he possessed, and repayment to be made.  (26)  Then the slave threw himself to the ground before him, saying, ‘Be patient with me, and I will repay you everything.’  (27)  The lord had compassion on that slave and released him, and forgave him the debt.  (28)  After he went out, that same slave found one of his fellow slaves who owed him one hundred silver coins. So he grabbed him by the throat and started to choke him, saying, ‘Pay back what you owe me!’  (29)  Then his fellow slave threw himself down and begged him, ‘Be patient with me, and I will repay you.’  (30)  But he refused. Instead, he went out and threw him in prison until he repaid the debt.  (31)  When his fellow slaves saw what had happened, they were very upset and went and told their lord everything that had taken place.  (32)  Then his lord called the first slave and said to him, ‘Evil slave! I forgave you all that debt because you begged me!  (33)  Should you not have shown mercy to your fellow slave, just as I showed it to you?’  (34)  And in anger his lord turned him over to the prison guards to torture him until he repaid all he owed.  (35)  So also my heavenly Father will do to you, if each of you does not forgive your brother from your heart.”</a:t>
             </a:r>
           </a:p>
           <a:p>
-            <a:endParaRPr lang="en-US" dirty="0"/>
+            <a:endParaRPr lang="en-US" sz="1400" dirty="0"/>
           </a:p>
           <a:p>
             <a:pPr defTabSz="938266"/>
             <a:r>
-              <a:rPr lang="en-US" b="1" dirty="0"/>
+              <a:rPr lang="en-US" sz="1400" b="1" dirty="0"/>
               <a:t>Col 2:6-7  </a:t>
             </a:r>
             <a:r>
-              <a:rPr lang="en-US" dirty="0"/>
+              <a:rPr lang="en-US" sz="1400" dirty="0"/>
               <a:t>Therefore, just as you received Christ Jesus as Lord, continue to live your lives in him,  (7)  rooted and built up in him and firm in your faith just as you were taught, and overflowing with thankfulness.</a:t>
             </a:r>
           </a:p>
           <a:p>
-            <a:endParaRPr lang="en-US" dirty="0"/>
+            <a:endParaRPr lang="en-US" sz="1400" dirty="0"/>
           </a:p>
           <a:p>
             <a:pPr defTabSz="938266"/>
             <a:r>
-              <a:rPr lang="en-US" b="1" dirty="0"/>
+              <a:rPr lang="en-US" sz="1400" b="1" dirty="0"/>
               <a:t>Col 4:2  </a:t>
             </a:r>
             <a:r>
-              <a:rPr lang="en-US" dirty="0"/>
+              <a:rPr lang="en-US" sz="1400" dirty="0"/>
               <a:t>Be devoted to prayer, keeping alert in it with thanksgiving.</a:t>
             </a:r>
           </a:p>
           <a:p>
-            <a:endParaRPr lang="en-US" dirty="0"/>
-          </a:p>
-          <a:p>
-            <a:r>
-              <a:rPr lang="en-US" b="1" dirty="0"/>
+            <a:endParaRPr lang="en-US" sz="1400" dirty="0"/>
+          </a:p>
+          <a:p>
+            <a:r>
+              <a:rPr lang="en-US" sz="1400" b="1" dirty="0"/>
               <a:t>Discussion</a:t>
             </a:r>
           </a:p>
           <a:p>
             <a:r>
-              <a:rPr lang="en-US" dirty="0"/>
+              <a:rPr lang="en-US" sz="1400" dirty="0"/>
               <a:t>What are the “garments” of unity, and which is hardest for you to “put on” daily?</a:t>
             </a:r>
           </a:p>
           <a:p>
             <a:r>
-              <a:rPr lang="en-US" dirty="0"/>
+              <a:rPr lang="en-US" sz="1400" dirty="0"/>
               <a:t>How does Scripture shape not just individual faith, but communal identity?</a:t>
             </a:r>
           </a:p>
           <a:p>
             <a:r>
-              <a:rPr lang="en-US" dirty="0"/>
+              <a:rPr lang="en-US" sz="1400" dirty="0"/>
               <a:t>Why is gratitude a vital ingredient in protecting unity?</a:t>
             </a:r>
           </a:p>
           <a:p>
-            <a:endParaRPr lang="en-US" dirty="0"/>
+            <a:endParaRPr lang="en-US" sz="1400" dirty="0"/>
           </a:p>
           <a:p>
             <a:endParaRPr lang="en-US" dirty="0"/>
@@ -1190,50 +1190,50 @@
           <a:p>
             <a:pPr defTabSz="938266"/>
             <a:r>
-              <a:rPr lang="en-US" b="1" dirty="0"/>
+              <a:rPr lang="en-US" sz="1400" b="1" dirty="0"/>
               <a:t>Joh 13:34-35  </a:t>
             </a:r>
             <a:r>
-              <a:rPr lang="en-US" dirty="0"/>
+              <a:rPr lang="en-US" sz="1400" dirty="0"/>
               <a:t>“I give you a new commandment – to love one another. Just as I have loved you, you also are to love one another.  (35)  Everyone will know by this that you are my disciples – if you have love for one another.”</a:t>
             </a:r>
           </a:p>
           <a:p>
             <a:pPr defTabSz="938266"/>
-            <a:endParaRPr lang="en-US" dirty="0"/>
+            <a:endParaRPr lang="en-US" sz="1400" dirty="0"/>
           </a:p>
           <a:p>
             <a:pPr defTabSz="938266"/>
             <a:r>
-              <a:rPr lang="en-US" b="1" dirty="0"/>
+              <a:rPr lang="en-US" sz="1400" b="1" dirty="0"/>
               <a:t>Col 3:16  </a:t>
             </a:r>
             <a:r>
-              <a:rPr lang="en-US" dirty="0"/>
+              <a:rPr lang="en-US" sz="1400" dirty="0"/>
               <a:t>Let the word of Christ dwell in you richly, teaching and exhorting one another with all wisdom, singing psalms, hymns, and spiritual songs, all with grace in your hearts to God.</a:t>
             </a:r>
           </a:p>
           <a:p>
             <a:pPr defTabSz="938266"/>
-            <a:endParaRPr lang="en-US" dirty="0"/>
+            <a:endParaRPr lang="en-US" sz="1400" dirty="0"/>
           </a:p>
           <a:p>
             <a:pPr defTabSz="938266"/>
             <a:r>
-              <a:rPr lang="en-US" b="1" dirty="0"/>
+              <a:rPr lang="en-US" sz="1400" b="1" dirty="0"/>
               <a:t>Act 4:18-20  </a:t>
             </a:r>
             <a:r>
-              <a:rPr lang="en-US" dirty="0"/>
+              <a:rPr lang="en-US" sz="1400" dirty="0"/>
               <a:t>And they called them in and ordered them not to speak or teach at all in the name of Jesus.  (19)  But Peter and John replied, “Whether it is right before God to obey you rather than God, you decide,  (20)  for it is impossible for us not to speak about what we have seen and heard.”</a:t>
             </a:r>
           </a:p>
           <a:p>
-            <a:endParaRPr lang="en-US" dirty="0"/>
-          </a:p>
-          <a:p>
-            <a:r>
-              <a:rPr lang="en-US" b="1" dirty="0"/>
+            <a:endParaRPr lang="en-US" sz="1400" dirty="0"/>
+          </a:p>
+          <a:p>
+            <a:r>
+              <a:rPr lang="en-US" sz="1400" b="1" dirty="0"/>
               <a:t>Discussion:</a:t>
             </a:r>
           </a:p>
@@ -1242,7 +1242,7 @@
               <a:defRPr/>
             </a:pPr>
             <a:r>
-              <a:rPr lang="en-US" dirty="0"/>
+              <a:rPr lang="en-US" sz="1400" dirty="0"/>
               <a:t>Where might our church need to be more intentional in projecting unity outward?</a:t>
             </a:r>
           </a:p>
@@ -1359,101 +1359,86 @@
         <p:spPr/>
         <p:txBody>
           <a:bodyPr>
-            <a:normAutofit lnSpcReduction="10000"/>
+            <a:normAutofit fontScale="85000" lnSpcReduction="10000"/>
           </a:bodyPr>
           <a:lstStyle/>
           <a:p>
             <a:pPr defTabSz="938266"/>
             <a:r>
-              <a:rPr lang="en-US" b="1" dirty="0"/>
+              <a:rPr lang="en-US" sz="1400" b="1" dirty="0"/>
               <a:t>1Co 1:10-13  </a:t>
             </a:r>
             <a:r>
-              <a:rPr lang="en-US" dirty="0"/>
+              <a:rPr lang="en-US" sz="1400" dirty="0"/>
               <a:t>I urge you, brothers and sisters, by the name of our Lord Jesus Christ, to agree together, to end your divisions, and to be united by the same mind and purpose.  (11)  For members of Chloe’s household have made it clear to me, my brothers and sisters, that there are quarrels among you.  (12)  Now I mean this, that each of you is saying, “I am with Paul,” or “I am with Apollos,” or “I am with Cephas,” or “I am with Christ.”  (13)  Is Christ divided? Paul wasn’t crucified for you, was he? Or were you in fact baptized in the name of Paul?</a:t>
             </a:r>
           </a:p>
           <a:p>
-            <a:endParaRPr lang="en-US" dirty="0"/>
+            <a:endParaRPr lang="en-US" sz="1400" dirty="0"/>
           </a:p>
           <a:p>
             <a:pPr defTabSz="938266"/>
             <a:r>
-              <a:rPr lang="en-US" b="1" dirty="0"/>
+              <a:rPr lang="en-US" sz="1400" b="1" dirty="0"/>
               <a:t>Mat 5:21-25  </a:t>
             </a:r>
             <a:r>
-              <a:rPr lang="en-US" dirty="0"/>
+              <a:rPr lang="en-US" sz="1400" dirty="0"/>
               <a:t>“You have heard that it was said to an older generation, ‘</a:t>
             </a:r>
             <a:r>
-              <a:rPr lang="en-US" b="1" i="1" dirty="0"/>
+              <a:rPr lang="en-US" sz="1400" b="1" i="1" dirty="0"/>
               <a:t>Do not murder</a:t>
             </a:r>
             <a:r>
-              <a:rPr lang="en-US" dirty="0"/>
+              <a:rPr lang="en-US" sz="1400" dirty="0"/>
               <a:t>,’ and ‘whoever murders will be subjected to judgment.’  (22)  But I say to you that anyone who is angry with a brother will be subjected to judgment. And whoever insults a brother will be brought before the council, and whoever says ‘Fool’ will be sent to fiery hell.  (23)  So then, if you bring your gift to the altar and there you remember that your brother has something against you,  (24)  leave your gift there in front of the altar. First go and be reconciled to your brother and then come and present your gift.  (25)  Reach agreement quickly with your accuser while on the way to court, or he may hand you over to the judge, and the judge hand you over to the warden, and you will be thrown into prison.</a:t>
             </a:r>
           </a:p>
           <a:p>
             <a:pPr defTabSz="938266"/>
-            <a:endParaRPr lang="en-US" dirty="0"/>
+            <a:endParaRPr lang="en-US" sz="1400" dirty="0"/>
           </a:p>
           <a:p>
             <a:pPr defTabSz="938266"/>
             <a:r>
-              <a:rPr lang="en-US" b="1" dirty="0"/>
+              <a:rPr lang="en-US" sz="1400" b="1" dirty="0"/>
               <a:t>Eph 4:14-15  </a:t>
             </a:r>
             <a:r>
-              <a:rPr lang="en-US" dirty="0"/>
+              <a:rPr lang="en-US" sz="1400" dirty="0"/>
               <a:t>So we are no longer to be children, tossed back and forth by waves and carried about by every wind of teaching by the trickery of people who craftily carry out their deceitful schemes.  (15)  But practicing the truth in love, we will in all things grow up into Christ, who is the head.</a:t>
             </a:r>
           </a:p>
           <a:p>
             <a:pPr defTabSz="938266"/>
-            <a:endParaRPr lang="en-US" dirty="0"/>
+            <a:endParaRPr lang="en-US" sz="1400" dirty="0"/>
           </a:p>
           <a:p>
             <a:pPr defTabSz="938266"/>
             <a:r>
-              <a:rPr lang="en-US" b="1" dirty="0"/>
+              <a:rPr lang="en-US" sz="1400" b="1" dirty="0"/>
               <a:t>Eph 4:11-13  </a:t>
             </a:r>
             <a:r>
-              <a:rPr lang="en-US" dirty="0"/>
+              <a:rPr lang="en-US" sz="1400" dirty="0"/>
               <a:t>And he himself gave some as apostles, some as prophets, some as evangelists, and some as pastors and teachers,  (12)  to equip the saints for the work of ministry, that is, to build up the body of Christ,  (13)  until we all attain to the unity of the faith and of the knowledge of the Son of God – a mature person, attaining to the measure of Christ’s full stature.</a:t>
             </a:r>
           </a:p>
           <a:p>
             <a:pPr defTabSz="938266"/>
-            <a:endParaRPr lang="en-US" dirty="0"/>
+            <a:endParaRPr lang="en-US" sz="1400" dirty="0"/>
           </a:p>
           <a:p>
             <a:pPr defTabSz="938266"/>
             <a:r>
-              <a:rPr lang="en-US" b="1" dirty="0"/>
+              <a:rPr lang="en-US" sz="1400" b="1" dirty="0"/>
               <a:t>Eph 4:1-3  </a:t>
             </a:r>
             <a:r>
-              <a:rPr lang="en-US" dirty="0"/>
+              <a:rPr lang="en-US" sz="1400" dirty="0"/>
               <a:t>I, therefore, the prisoner for the Lord, urge you to live worthily of the calling with which you have been called,  (2)  with all humility and gentleness, with patience, putting up with one another in love,  (3)  making every effort to keep the unity of the Spirit in the bond of peace.</a:t>
             </a:r>
-          </a:p>
-          <a:p>
-            <a:pPr defTabSz="938266"/>
-            <a:endParaRPr lang="en-US" dirty="0"/>
-          </a:p>
-          <a:p>
-            <a:pPr defTabSz="938266"/>
-            <a:endParaRPr lang="en-US" dirty="0"/>
-          </a:p>
-          <a:p>
-            <a:pPr defTabSz="938266"/>
-            <a:endParaRPr lang="en-US" dirty="0"/>
-          </a:p>
-          <a:p>
-            <a:pPr defTabSz="938266"/>
             <a:endParaRPr lang="en-US" dirty="0"/>
           </a:p>
           <a:p>
@@ -1569,7 +1554,7 @@
         <p:spPr/>
         <p:txBody>
           <a:bodyPr>
-            <a:normAutofit fontScale="85000" lnSpcReduction="20000"/>
+            <a:normAutofit fontScale="70000" lnSpcReduction="20000"/>
           </a:bodyPr>
           <a:lstStyle/>
           <a:p>
@@ -1763,7 +1748,7 @@
         <p:spPr/>
         <p:txBody>
           <a:bodyPr>
-            <a:normAutofit fontScale="55000" lnSpcReduction="20000"/>
+            <a:normAutofit fontScale="62500" lnSpcReduction="20000"/>
           </a:bodyPr>
           <a:lstStyle/>
           <a:p>
